--- a/Documentação/Arquitetura/diagramas de arquitetura.pptx
+++ b/Documentação/Arquitetura/diagramas de arquitetura.pptx
@@ -14601,8 +14601,8 @@
         </p:nvSpPr>
         <p:spPr>
           <a:xfrm>
-            <a:off x="8866570" y="1443195"/>
-            <a:ext cx="2139120" cy="1655280"/>
+            <a:off x="8866505" y="1443355"/>
+            <a:ext cx="2346325" cy="1887855"/>
           </a:xfrm>
           <a:prstGeom prst="rect">
             <a:avLst/>
@@ -14634,7 +14634,7 @@
         </p:nvSpPr>
         <p:spPr>
           <a:xfrm>
-            <a:off x="8834375" y="1443195"/>
+            <a:off x="8965820" y="1514950"/>
             <a:ext cx="2176200" cy="1064520"/>
           </a:xfrm>
           <a:prstGeom prst="rect">
@@ -14711,8 +14711,8 @@
         </p:nvSpPr>
         <p:spPr>
           <a:xfrm>
-            <a:off x="8866790" y="2507615"/>
-            <a:ext cx="2111400" cy="515880"/>
+            <a:off x="9010300" y="2507615"/>
+            <a:ext cx="2111400" cy="734695"/>
           </a:xfrm>
           <a:prstGeom prst="rect">
             <a:avLst/>
@@ -14752,7 +14752,27 @@
                 <a:latin typeface="Calibri"/>
                 <a:ea typeface="DejaVu Sans" panose="020B0603030804020204"/>
               </a:rPr>
-              <a:t>Cadastro de usuário, controle de login</a:t>
+              <a:t>Cadastro de usuário </a:t>
+            </a:r>
+            <a:r>
+              <a:rPr lang="pt-PT" altLang="pt-BR" sz="1400" b="0" strike="noStrike" spc="-1">
+                <a:solidFill>
+                  <a:srgbClr val="FFFFFF"/>
+                </a:solidFill>
+                <a:latin typeface="Calibri"/>
+                <a:ea typeface="DejaVu Sans" panose="020B0603030804020204"/>
+              </a:rPr>
+              <a:t>proprietária</a:t>
+            </a:r>
+            <a:r>
+              <a:rPr lang="pt-BR" sz="1400" b="0" strike="noStrike" spc="-1">
+                <a:solidFill>
+                  <a:srgbClr val="FFFFFF"/>
+                </a:solidFill>
+                <a:latin typeface="Calibri"/>
+                <a:ea typeface="DejaVu Sans" panose="020B0603030804020204"/>
+              </a:rPr>
+              <a:t>, controle de login</a:t>
             </a:r>
             <a:endParaRPr lang="pt-BR" sz="1400" b="0" strike="noStrike" spc="-1">
               <a:latin typeface="Arial" panose="020B0604020202020204"/>
@@ -14901,178 +14921,6 @@
               <a:t>Micro Service</a:t>
             </a:r>
             <a:endParaRPr lang="pt-BR" sz="2000" b="0" strike="noStrike" spc="-1">
-              <a:latin typeface="Arial" panose="020B0604020202020204"/>
-            </a:endParaRPr>
-          </a:p>
-        </p:txBody>
-      </p:sp>
-      <p:sp>
-        <p:nvSpPr>
-          <p:cNvPr id="251" name="CustomShape 18"/>
-          <p:cNvSpPr/>
-          <p:nvPr/>
-        </p:nvSpPr>
-        <p:spPr>
-          <a:xfrm>
-            <a:off x="3558520" y="5463890"/>
-            <a:ext cx="2439720" cy="1871280"/>
-          </a:xfrm>
-          <a:prstGeom prst="rect">
-            <a:avLst/>
-          </a:prstGeom>
-          <a:solidFill>
-            <a:srgbClr val="D9D9D9"/>
-          </a:solidFill>
-          <a:ln w="25560">
-            <a:solidFill>
-              <a:srgbClr val="253746"/>
-            </a:solidFill>
-            <a:prstDash val="dash"/>
-            <a:round/>
-          </a:ln>
-        </p:spPr>
-        <p:style>
-          <a:lnRef idx="0">
-            <a:srgbClr val="FFFFFF"/>
-          </a:lnRef>
-          <a:fillRef idx="0">
-            <a:srgbClr val="FFFFFF"/>
-          </a:fillRef>
-          <a:effectRef idx="0">
-            <a:srgbClr val="FFFFFF"/>
-          </a:effectRef>
-          <a:fontRef idx="minor"/>
-        </p:style>
-      </p:sp>
-      <p:sp>
-        <p:nvSpPr>
-          <p:cNvPr id="252" name="CustomShape 19"/>
-          <p:cNvSpPr/>
-          <p:nvPr/>
-        </p:nvSpPr>
-        <p:spPr>
-          <a:xfrm>
-            <a:off x="3518075" y="5643235"/>
-            <a:ext cx="2520360" cy="942840"/>
-          </a:xfrm>
-          <a:prstGeom prst="rect">
-            <a:avLst/>
-          </a:prstGeom>
-          <a:noFill/>
-          <a:ln>
-            <a:noFill/>
-          </a:ln>
-        </p:spPr>
-        <p:style>
-          <a:lnRef idx="0">
-            <a:srgbClr val="FFFFFF"/>
-          </a:lnRef>
-          <a:fillRef idx="0">
-            <a:srgbClr val="FFFFFF"/>
-          </a:fillRef>
-          <a:effectRef idx="0">
-            <a:srgbClr val="FFFFFF"/>
-          </a:effectRef>
-          <a:fontRef idx="minor"/>
-        </p:style>
-        <p:txBody>
-          <a:bodyPr lIns="90000" tIns="45000" rIns="90000" bIns="45000">
-            <a:spAutoFit/>
-          </a:bodyPr>
-          <a:p>
-            <a:pPr algn="ctr">
-              <a:lnSpc>
-                <a:spcPct val="100000"/>
-              </a:lnSpc>
-            </a:pPr>
-            <a:r>
-              <a:rPr lang="pt-BR" sz="2000" b="1" strike="noStrike" spc="-1">
-                <a:solidFill>
-                  <a:srgbClr val="000000"/>
-                </a:solidFill>
-                <a:latin typeface="Calibri"/>
-                <a:ea typeface="DejaVu Sans" panose="020B0603030804020204"/>
-              </a:rPr>
-              <a:t>PicPay Application</a:t>
-            </a:r>
-            <a:endParaRPr lang="pt-BR" sz="2000" b="0" strike="noStrike" spc="-1">
-              <a:latin typeface="Arial" panose="020B0604020202020204"/>
-            </a:endParaRPr>
-          </a:p>
-          <a:p>
-            <a:pPr algn="ctr">
-              <a:lnSpc>
-                <a:spcPct val="100000"/>
-              </a:lnSpc>
-            </a:pPr>
-            <a:r>
-              <a:rPr lang="pt-BR" sz="1600" b="0" strike="noStrike" spc="-1">
-                <a:solidFill>
-                  <a:srgbClr val="000000"/>
-                </a:solidFill>
-                <a:latin typeface="Calibri"/>
-                <a:ea typeface="DejaVu Sans" panose="020B0603030804020204"/>
-              </a:rPr>
-              <a:t>[Container: API PicPay]</a:t>
-            </a:r>
-            <a:endParaRPr lang="pt-BR" sz="1600" b="0" strike="noStrike" spc="-1">
-              <a:latin typeface="Arial" panose="020B0604020202020204"/>
-            </a:endParaRPr>
-          </a:p>
-        </p:txBody>
-      </p:sp>
-      <p:sp>
-        <p:nvSpPr>
-          <p:cNvPr id="253" name="CustomShape 20"/>
-          <p:cNvSpPr/>
-          <p:nvPr/>
-        </p:nvSpPr>
-        <p:spPr>
-          <a:xfrm>
-            <a:off x="3590965" y="6586435"/>
-            <a:ext cx="2375280" cy="576360"/>
-          </a:xfrm>
-          <a:prstGeom prst="rect">
-            <a:avLst/>
-          </a:prstGeom>
-          <a:noFill/>
-          <a:ln>
-            <a:noFill/>
-          </a:ln>
-        </p:spPr>
-        <p:style>
-          <a:lnRef idx="0">
-            <a:srgbClr val="FFFFFF"/>
-          </a:lnRef>
-          <a:fillRef idx="0">
-            <a:srgbClr val="FFFFFF"/>
-          </a:fillRef>
-          <a:effectRef idx="0">
-            <a:srgbClr val="FFFFFF"/>
-          </a:effectRef>
-          <a:fontRef idx="minor"/>
-        </p:style>
-        <p:txBody>
-          <a:bodyPr lIns="90000" tIns="45000" rIns="90000" bIns="45000">
-            <a:spAutoFit/>
-          </a:bodyPr>
-          <a:p>
-            <a:pPr algn="ctr">
-              <a:lnSpc>
-                <a:spcPct val="100000"/>
-              </a:lnSpc>
-            </a:pPr>
-            <a:r>
-              <a:rPr lang="pt-BR" sz="1600" b="0" strike="noStrike" spc="-1">
-                <a:solidFill>
-                  <a:srgbClr val="000000"/>
-                </a:solidFill>
-                <a:latin typeface="Calibri"/>
-                <a:ea typeface="DejaVu Sans" panose="020B0603030804020204"/>
-              </a:rPr>
-              <a:t>APIs para trasações financeiras.</a:t>
-            </a:r>
-            <a:endParaRPr lang="pt-BR" sz="1600" b="0" strike="noStrike" spc="-1">
               <a:latin typeface="Arial" panose="020B0604020202020204"/>
             </a:endParaRPr>
           </a:p>
@@ -15400,7 +15248,7 @@
         </p:nvSpPr>
         <p:spPr>
           <a:xfrm>
-            <a:off x="6320030" y="1421525"/>
+            <a:off x="6338445" y="1421525"/>
             <a:ext cx="2139120" cy="1655280"/>
           </a:xfrm>
           <a:prstGeom prst="rect">
@@ -15434,7 +15282,7 @@
         <p:spPr>
           <a:xfrm>
             <a:off x="6352415" y="2507515"/>
-            <a:ext cx="2111400" cy="515880"/>
+            <a:ext cx="2111400" cy="734695"/>
           </a:xfrm>
           <a:prstGeom prst="rect">
             <a:avLst/>
@@ -15474,7 +15322,27 @@
                 <a:latin typeface="Calibri"/>
                 <a:ea typeface="DejaVu Sans" panose="020B0603030804020204"/>
               </a:rPr>
-              <a:t>Cadastro de usuário, controle de login</a:t>
+              <a:t>Cadastro de usuário </a:t>
+            </a:r>
+            <a:r>
+              <a:rPr lang="pt-PT" altLang="pt-BR" sz="1400" b="0" strike="noStrike" spc="-1">
+                <a:solidFill>
+                  <a:srgbClr val="FFFFFF"/>
+                </a:solidFill>
+                <a:latin typeface="Calibri"/>
+                <a:ea typeface="DejaVu Sans" panose="020B0603030804020204"/>
+              </a:rPr>
+              <a:t>contratada</a:t>
+            </a:r>
+            <a:r>
+              <a:rPr lang="pt-BR" sz="1400" b="0" strike="noStrike" spc="-1">
+                <a:solidFill>
+                  <a:srgbClr val="FFFFFF"/>
+                </a:solidFill>
+                <a:latin typeface="Calibri"/>
+                <a:ea typeface="DejaVu Sans" panose="020B0603030804020204"/>
+              </a:rPr>
+              <a:t>, controle de login</a:t>
             </a:r>
             <a:endParaRPr lang="pt-BR" sz="1400" b="0" strike="noStrike" spc="-1">
               <a:latin typeface="Arial" panose="020B0604020202020204"/>
@@ -15561,66 +15429,13 @@
       </p:sp>
       <p:sp>
         <p:nvSpPr>
-          <p:cNvPr id="266" name="CustomShape 33"/>
-          <p:cNvSpPr/>
-          <p:nvPr/>
-        </p:nvSpPr>
-        <p:spPr>
-          <a:xfrm flipV="1">
-            <a:off x="4572635" y="4751070"/>
-            <a:ext cx="76200" cy="713105"/>
-          </a:xfrm>
-          <a:custGeom>
-            <a:avLst/>
-            <a:gdLst/>
-            <a:ahLst/>
-            <a:cxnLst/>
-            <a:rect l="l" t="t" r="r" b="b"/>
-            <a:pathLst>
-              <a:path w="21600" h="21600">
-                <a:moveTo>
-                  <a:pt x="0" y="0"/>
-                </a:moveTo>
-                <a:lnTo>
-                  <a:pt x="21600" y="21600"/>
-                </a:lnTo>
-              </a:path>
-            </a:pathLst>
-          </a:custGeom>
-          <a:noFill/>
-          <a:ln w="19080">
-            <a:solidFill>
-              <a:schemeClr val="accent5">
-                <a:lumMod val="75000"/>
-              </a:schemeClr>
-            </a:solidFill>
-            <a:prstDash val="sysDash"/>
-            <a:round/>
-            <a:tailEnd type="triangle" w="lg" len="lg"/>
-          </a:ln>
-        </p:spPr>
-        <p:style>
-          <a:lnRef idx="1">
-            <a:schemeClr val="accent1"/>
-          </a:lnRef>
-          <a:fillRef idx="0">
-            <a:schemeClr val="accent1"/>
-          </a:fillRef>
-          <a:effectRef idx="0">
-            <a:schemeClr val="accent1"/>
-          </a:effectRef>
-          <a:fontRef idx="minor"/>
-        </p:style>
-      </p:sp>
-      <p:sp>
-        <p:nvSpPr>
           <p:cNvPr id="270" name="CustomShape 37"/>
           <p:cNvSpPr/>
           <p:nvPr/>
         </p:nvSpPr>
         <p:spPr>
           <a:xfrm>
-            <a:off x="8244715" y="3414850"/>
+            <a:off x="6737860" y="3414850"/>
             <a:ext cx="2139120" cy="1655280"/>
           </a:xfrm>
           <a:prstGeom prst="rect">
@@ -15653,7 +15468,7 @@
         </p:nvSpPr>
         <p:spPr>
           <a:xfrm>
-            <a:off x="8258685" y="4480245"/>
+            <a:off x="6823585" y="4480245"/>
             <a:ext cx="2111400" cy="519430"/>
           </a:xfrm>
           <a:prstGeom prst="rect">
@@ -15724,7 +15539,7 @@
         </p:nvSpPr>
         <p:spPr>
           <a:xfrm>
-            <a:off x="8244080" y="3450015"/>
+            <a:off x="6737860" y="3431600"/>
             <a:ext cx="2139120" cy="1064520"/>
           </a:xfrm>
           <a:prstGeom prst="rect">
@@ -15801,7 +15616,7 @@
         </p:nvSpPr>
         <p:spPr>
           <a:xfrm>
-            <a:off x="5850890" y="3431540"/>
+            <a:off x="3521075" y="3402330"/>
             <a:ext cx="2175510" cy="1411605"/>
           </a:xfrm>
           <a:prstGeom prst="rect">
@@ -15834,7 +15649,7 @@
         </p:nvSpPr>
         <p:spPr>
           <a:xfrm>
-            <a:off x="5889110" y="4516265"/>
+            <a:off x="3585965" y="4480705"/>
             <a:ext cx="2111400" cy="304165"/>
           </a:xfrm>
           <a:prstGeom prst="rect">
@@ -15891,7 +15706,7 @@
         </p:nvSpPr>
         <p:spPr>
           <a:xfrm>
-            <a:off x="5890130" y="3431425"/>
+            <a:off x="3520945" y="3431425"/>
             <a:ext cx="2176200" cy="1064520"/>
           </a:xfrm>
           <a:prstGeom prst="rect">
@@ -15960,249 +15775,6 @@
           </a:p>
         </p:txBody>
       </p:sp>
-      <p:grpSp>
-        <p:nvGrpSpPr>
-          <p:cNvPr id="276" name="Group 43"/>
-          <p:cNvGrpSpPr/>
-          <p:nvPr/>
-        </p:nvGrpSpPr>
-        <p:grpSpPr>
-          <a:xfrm>
-            <a:off x="3590625" y="3323075"/>
-            <a:ext cx="2105280" cy="1491120"/>
-            <a:chOff x="8496000" y="3413880"/>
-            <a:chExt cx="2105280" cy="1491120"/>
-          </a:xfrm>
-        </p:grpSpPr>
-        <p:sp>
-          <p:nvSpPr>
-            <p:cNvPr id="277" name="CustomShape 44"/>
-            <p:cNvSpPr/>
-            <p:nvPr/>
-          </p:nvSpPr>
-          <p:spPr>
-            <a:xfrm>
-              <a:off x="8505360" y="3413880"/>
-              <a:ext cx="2032200" cy="1428120"/>
-            </a:xfrm>
-            <a:prstGeom prst="rect">
-              <a:avLst/>
-            </a:prstGeom>
-            <a:solidFill>
-              <a:srgbClr val="32B9CD"/>
-            </a:solidFill>
-            <a:ln>
-              <a:solidFill>
-                <a:schemeClr val="accent5">
-                  <a:lumMod val="75000"/>
-                </a:schemeClr>
-              </a:solidFill>
-              <a:round/>
-            </a:ln>
-          </p:spPr>
-          <p:style>
-            <a:lnRef idx="2">
-              <a:schemeClr val="accent1">
-                <a:shade val="50000"/>
-              </a:schemeClr>
-            </a:lnRef>
-            <a:fillRef idx="1">
-              <a:schemeClr val="accent1"/>
-            </a:fillRef>
-            <a:effectRef idx="0">
-              <a:schemeClr val="accent1"/>
-            </a:effectRef>
-            <a:fontRef idx="minor"/>
-          </p:style>
-        </p:sp>
-        <p:sp>
-          <p:nvSpPr>
-            <p:cNvPr id="278" name="CustomShape 45"/>
-            <p:cNvSpPr/>
-            <p:nvPr/>
-          </p:nvSpPr>
-          <p:spPr>
-            <a:xfrm>
-              <a:off x="8532000" y="4176000"/>
-              <a:ext cx="2005560" cy="729000"/>
-            </a:xfrm>
-            <a:prstGeom prst="rect">
-              <a:avLst/>
-            </a:prstGeom>
-            <a:noFill/>
-            <a:ln>
-              <a:noFill/>
-            </a:ln>
-          </p:spPr>
-          <p:style>
-            <a:lnRef idx="0">
-              <a:srgbClr val="FFFFFF"/>
-            </a:lnRef>
-            <a:fillRef idx="0">
-              <a:srgbClr val="FFFFFF"/>
-            </a:fillRef>
-            <a:effectRef idx="0">
-              <a:srgbClr val="FFFFFF"/>
-            </a:effectRef>
-            <a:fontRef idx="minor"/>
-          </p:style>
-          <p:txBody>
-            <a:bodyPr lIns="90000" tIns="45000" rIns="90000" bIns="45000">
-              <a:spAutoFit/>
-            </a:bodyPr>
-            <a:p>
-              <a:pPr algn="ctr">
-                <a:lnSpc>
-                  <a:spcPct val="100000"/>
-                </a:lnSpc>
-              </a:pPr>
-              <a:r>
-                <a:rPr lang="pt-BR" sz="1400" b="0" strike="noStrike" spc="-1">
-                  <a:solidFill>
-                    <a:srgbClr val="FFFFFF"/>
-                  </a:solidFill>
-                  <a:latin typeface="Calibri"/>
-                  <a:ea typeface="DejaVu Sans" panose="020B0603030804020204"/>
-                </a:rPr>
-                <a:t>Faz o envio das transações para o PicPay</a:t>
-              </a:r>
-              <a:endParaRPr lang="pt-BR" sz="1400" b="0" strike="noStrike" spc="-1">
-                <a:latin typeface="Arial" panose="020B0604020202020204"/>
-              </a:endParaRPr>
-            </a:p>
-          </p:txBody>
-        </p:sp>
-        <p:sp>
-          <p:nvSpPr>
-            <p:cNvPr id="279" name="CustomShape 46"/>
-            <p:cNvSpPr/>
-            <p:nvPr/>
-          </p:nvSpPr>
-          <p:spPr>
-            <a:xfrm>
-              <a:off x="8496000" y="3422160"/>
-              <a:ext cx="2105280" cy="790560"/>
-            </a:xfrm>
-            <a:prstGeom prst="rect">
-              <a:avLst/>
-            </a:prstGeom>
-            <a:noFill/>
-            <a:ln>
-              <a:noFill/>
-            </a:ln>
-          </p:spPr>
-          <p:style>
-            <a:lnRef idx="0">
-              <a:srgbClr val="FFFFFF"/>
-            </a:lnRef>
-            <a:fillRef idx="0">
-              <a:srgbClr val="FFFFFF"/>
-            </a:fillRef>
-            <a:effectRef idx="0">
-              <a:srgbClr val="FFFFFF"/>
-            </a:effectRef>
-            <a:fontRef idx="minor"/>
-          </p:style>
-          <p:txBody>
-            <a:bodyPr lIns="90000" tIns="45000" rIns="90000" bIns="45000">
-              <a:spAutoFit/>
-            </a:bodyPr>
-            <a:p>
-              <a:pPr algn="ctr">
-                <a:lnSpc>
-                  <a:spcPct val="100000"/>
-                </a:lnSpc>
-              </a:pPr>
-              <a:r>
-                <a:rPr lang="pt-BR" sz="1800" b="1" strike="noStrike" spc="-1">
-                  <a:solidFill>
-                    <a:srgbClr val="FFFFFF"/>
-                  </a:solidFill>
-                  <a:latin typeface="Calibri"/>
-                  <a:ea typeface="DejaVu Sans" panose="020B0603030804020204"/>
-                </a:rPr>
-                <a:t>PicPay</a:t>
-              </a:r>
-              <a:endParaRPr lang="pt-BR" sz="1800" b="0" strike="noStrike" spc="-1">
-                <a:latin typeface="Arial" panose="020B0604020202020204"/>
-              </a:endParaRPr>
-            </a:p>
-            <a:p>
-              <a:pPr algn="ctr">
-                <a:lnSpc>
-                  <a:spcPct val="100000"/>
-                </a:lnSpc>
-              </a:pPr>
-              <a:r>
-                <a:rPr lang="pt-BR" sz="1400" b="0" strike="noStrike" spc="-1">
-                  <a:solidFill>
-                    <a:srgbClr val="FFFFFF"/>
-                  </a:solidFill>
-                  <a:latin typeface="Calibri"/>
-                  <a:ea typeface="DejaVu Sans" panose="020B0603030804020204"/>
-                </a:rPr>
-                <a:t>[Component: Java HTTP, WebHook ]</a:t>
-              </a:r>
-              <a:endParaRPr lang="pt-BR" sz="1400" b="0" strike="noStrike" spc="-1">
-                <a:latin typeface="Arial" panose="020B0604020202020204"/>
-              </a:endParaRPr>
-            </a:p>
-          </p:txBody>
-        </p:sp>
-      </p:grpSp>
-      <p:sp>
-        <p:nvSpPr>
-          <p:cNvPr id="2" name="CustomShape 12"/>
-          <p:cNvSpPr/>
-          <p:nvPr/>
-        </p:nvSpPr>
-        <p:spPr>
-          <a:xfrm flipH="1">
-            <a:off x="5998210" y="2448560"/>
-            <a:ext cx="467360" cy="76200"/>
-          </a:xfrm>
-          <a:custGeom>
-            <a:avLst/>
-            <a:gdLst/>
-            <a:ahLst/>
-            <a:cxnLst/>
-            <a:rect l="l" t="t" r="r" b="b"/>
-            <a:pathLst>
-              <a:path w="21600" h="21600">
-                <a:moveTo>
-                  <a:pt x="0" y="0"/>
-                </a:moveTo>
-                <a:lnTo>
-                  <a:pt x="21600" y="21600"/>
-                </a:lnTo>
-              </a:path>
-            </a:pathLst>
-          </a:custGeom>
-          <a:noFill/>
-          <a:ln w="19080">
-            <a:solidFill>
-              <a:schemeClr val="accent5">
-                <a:lumMod val="75000"/>
-              </a:schemeClr>
-            </a:solidFill>
-            <a:prstDash val="sysDash"/>
-            <a:round/>
-            <a:tailEnd type="triangle" w="lg" len="lg"/>
-          </a:ln>
-        </p:spPr>
-        <p:style>
-          <a:lnRef idx="1">
-            <a:schemeClr val="accent1"/>
-          </a:lnRef>
-          <a:fillRef idx="0">
-            <a:schemeClr val="accent1"/>
-          </a:fillRef>
-          <a:effectRef idx="0">
-            <a:schemeClr val="accent1"/>
-          </a:effectRef>
-          <a:fontRef idx="minor"/>
-        </p:style>
-      </p:sp>
       <p:sp>
         <p:nvSpPr>
           <p:cNvPr id="3" name="CustomShape 37"/>
@@ -16211,7 +15783,7 @@
         </p:nvSpPr>
         <p:spPr>
           <a:xfrm>
-            <a:off x="10643110" y="3402785"/>
+            <a:off x="9351520" y="3402785"/>
             <a:ext cx="2139120" cy="1655280"/>
           </a:xfrm>
           <a:prstGeom prst="rect">
@@ -16244,7 +15816,7 @@
         </p:nvSpPr>
         <p:spPr>
           <a:xfrm>
-            <a:off x="10643110" y="3474780"/>
+            <a:off x="9351520" y="3474780"/>
             <a:ext cx="2139120" cy="1073785"/>
           </a:xfrm>
           <a:prstGeom prst="rect">
@@ -16331,7 +15903,7 @@
         </p:nvSpPr>
         <p:spPr>
           <a:xfrm>
-            <a:off x="10671050" y="4614230"/>
+            <a:off x="9418195" y="4587560"/>
             <a:ext cx="2111400" cy="304165"/>
           </a:xfrm>
           <a:prstGeom prst="rect">
@@ -16386,14 +15958,14 @@
       </p:sp>
       <p:sp>
         <p:nvSpPr>
-          <p:cNvPr id="8" name="CustomShape 12"/>
+          <p:cNvPr id="6" name="CustomShape 33"/>
           <p:cNvSpPr/>
           <p:nvPr/>
         </p:nvSpPr>
         <p:spPr>
-          <a:xfrm rot="10800000" flipV="1">
-            <a:off x="5997575" y="1685925"/>
-            <a:ext cx="2868930" cy="76200"/>
+          <a:xfrm flipV="1">
+            <a:off x="7950200" y="3023235"/>
+            <a:ext cx="1228725" cy="2608580"/>
           </a:xfrm>
           <a:custGeom>
             <a:avLst/>
@@ -16439,14 +16011,14 @@
       </p:sp>
       <p:sp>
         <p:nvSpPr>
-          <p:cNvPr id="10" name="CustomShape 12"/>
+          <p:cNvPr id="7" name="CustomShape 33"/>
           <p:cNvSpPr/>
           <p:nvPr/>
         </p:nvSpPr>
         <p:spPr>
-          <a:xfrm flipH="1">
-            <a:off x="7004685" y="2361565"/>
-            <a:ext cx="467360" cy="76200"/>
+          <a:xfrm flipH="1" flipV="1">
+            <a:off x="6426200" y="2971800"/>
+            <a:ext cx="1126490" cy="2660015"/>
           </a:xfrm>
           <a:custGeom>
             <a:avLst/>
@@ -16492,14 +16064,14 @@
       </p:sp>
       <p:sp>
         <p:nvSpPr>
-          <p:cNvPr id="11" name="CustomShape 12"/>
+          <p:cNvPr id="9" name="CustomShape 33"/>
           <p:cNvSpPr/>
           <p:nvPr/>
         </p:nvSpPr>
         <p:spPr>
-          <a:xfrm rot="5880000" flipH="1">
-            <a:off x="6744970" y="3246755"/>
-            <a:ext cx="467360" cy="76200"/>
+          <a:xfrm rot="16200000" flipV="1">
+            <a:off x="6079490" y="2067560"/>
+            <a:ext cx="76200" cy="158750"/>
           </a:xfrm>
           <a:custGeom>
             <a:avLst/>
@@ -16545,226 +16117,14 @@
       </p:sp>
       <p:sp>
         <p:nvSpPr>
-          <p:cNvPr id="12" name="CustomShape 12"/>
+          <p:cNvPr id="17" name="CustomShape 33"/>
           <p:cNvSpPr/>
           <p:nvPr/>
         </p:nvSpPr>
         <p:spPr>
-          <a:xfrm rot="3480000" flipH="1">
-            <a:off x="8261350" y="3225800"/>
-            <a:ext cx="467360" cy="76200"/>
-          </a:xfrm>
-          <a:custGeom>
-            <a:avLst/>
-            <a:gdLst/>
-            <a:ahLst/>
-            <a:cxnLst/>
-            <a:rect l="l" t="t" r="r" b="b"/>
-            <a:pathLst>
-              <a:path w="21600" h="21600">
-                <a:moveTo>
-                  <a:pt x="0" y="0"/>
-                </a:moveTo>
-                <a:lnTo>
-                  <a:pt x="21600" y="21600"/>
-                </a:lnTo>
-              </a:path>
-            </a:pathLst>
-          </a:custGeom>
-          <a:noFill/>
-          <a:ln w="19080">
-            <a:solidFill>
-              <a:schemeClr val="accent5">
-                <a:lumMod val="75000"/>
-              </a:schemeClr>
-            </a:solidFill>
-            <a:prstDash val="sysDash"/>
-            <a:round/>
-            <a:tailEnd type="triangle" w="lg" len="lg"/>
-          </a:ln>
-        </p:spPr>
-        <p:style>
-          <a:lnRef idx="1">
-            <a:schemeClr val="accent1"/>
-          </a:lnRef>
-          <a:fillRef idx="0">
-            <a:schemeClr val="accent1"/>
-          </a:fillRef>
-          <a:effectRef idx="0">
-            <a:schemeClr val="accent1"/>
-          </a:effectRef>
-          <a:fontRef idx="minor"/>
-        </p:style>
-      </p:sp>
-      <p:sp>
-        <p:nvSpPr>
-          <p:cNvPr id="13" name="CustomShape 12"/>
-          <p:cNvSpPr/>
-          <p:nvPr/>
-        </p:nvSpPr>
-        <p:spPr>
-          <a:xfrm rot="8700000" flipH="1">
-            <a:off x="7795895" y="3175000"/>
-            <a:ext cx="1214120" cy="227330"/>
-          </a:xfrm>
-          <a:custGeom>
-            <a:avLst/>
-            <a:gdLst/>
-            <a:ahLst/>
-            <a:cxnLst/>
-            <a:rect l="l" t="t" r="r" b="b"/>
-            <a:pathLst>
-              <a:path w="21600" h="21600">
-                <a:moveTo>
-                  <a:pt x="0" y="0"/>
-                </a:moveTo>
-                <a:lnTo>
-                  <a:pt x="21600" y="21600"/>
-                </a:lnTo>
-              </a:path>
-            </a:pathLst>
-          </a:custGeom>
-          <a:noFill/>
-          <a:ln w="19080">
-            <a:solidFill>
-              <a:schemeClr val="accent5">
-                <a:lumMod val="75000"/>
-              </a:schemeClr>
-            </a:solidFill>
-            <a:prstDash val="sysDash"/>
-            <a:round/>
-            <a:tailEnd type="triangle" w="lg" len="lg"/>
-          </a:ln>
-        </p:spPr>
-        <p:style>
-          <a:lnRef idx="1">
-            <a:schemeClr val="accent1"/>
-          </a:lnRef>
-          <a:fillRef idx="0">
-            <a:schemeClr val="accent1"/>
-          </a:fillRef>
-          <a:effectRef idx="0">
-            <a:schemeClr val="accent1"/>
-          </a:effectRef>
-          <a:fontRef idx="minor"/>
-        </p:style>
-      </p:sp>
-      <p:sp>
-        <p:nvSpPr>
-          <p:cNvPr id="14" name="CustomShape 12"/>
-          <p:cNvSpPr/>
-          <p:nvPr/>
-        </p:nvSpPr>
-        <p:spPr>
-          <a:xfrm rot="5880000" flipH="1">
-            <a:off x="9688830" y="3297555"/>
-            <a:ext cx="467360" cy="76200"/>
-          </a:xfrm>
-          <a:custGeom>
-            <a:avLst/>
-            <a:gdLst/>
-            <a:ahLst/>
-            <a:cxnLst/>
-            <a:rect l="l" t="t" r="r" b="b"/>
-            <a:pathLst>
-              <a:path w="21600" h="21600">
-                <a:moveTo>
-                  <a:pt x="0" y="0"/>
-                </a:moveTo>
-                <a:lnTo>
-                  <a:pt x="21600" y="21600"/>
-                </a:lnTo>
-              </a:path>
-            </a:pathLst>
-          </a:custGeom>
-          <a:noFill/>
-          <a:ln w="19080">
-            <a:solidFill>
-              <a:schemeClr val="accent5">
-                <a:lumMod val="75000"/>
-              </a:schemeClr>
-            </a:solidFill>
-            <a:prstDash val="sysDash"/>
-            <a:round/>
-            <a:tailEnd type="triangle" w="lg" len="lg"/>
-          </a:ln>
-        </p:spPr>
-        <p:style>
-          <a:lnRef idx="1">
-            <a:schemeClr val="accent1"/>
-          </a:lnRef>
-          <a:fillRef idx="0">
-            <a:schemeClr val="accent1"/>
-          </a:fillRef>
-          <a:effectRef idx="0">
-            <a:schemeClr val="accent1"/>
-          </a:effectRef>
-          <a:fontRef idx="minor"/>
-        </p:style>
-      </p:sp>
-      <p:sp>
-        <p:nvSpPr>
-          <p:cNvPr id="15" name="CustomShape 12"/>
-          <p:cNvSpPr/>
-          <p:nvPr/>
-        </p:nvSpPr>
-        <p:spPr>
-          <a:xfrm rot="2700000" flipH="1">
-            <a:off x="8350885" y="2955290"/>
-            <a:ext cx="2367280" cy="1014730"/>
-          </a:xfrm>
-          <a:custGeom>
-            <a:avLst/>
-            <a:gdLst/>
-            <a:ahLst/>
-            <a:cxnLst/>
-            <a:rect l="l" t="t" r="r" b="b"/>
-            <a:pathLst>
-              <a:path w="21600" h="21600">
-                <a:moveTo>
-                  <a:pt x="0" y="0"/>
-                </a:moveTo>
-                <a:lnTo>
-                  <a:pt x="21600" y="21600"/>
-                </a:lnTo>
-              </a:path>
-            </a:pathLst>
-          </a:custGeom>
-          <a:noFill/>
-          <a:ln w="19080">
-            <a:solidFill>
-              <a:schemeClr val="accent5">
-                <a:lumMod val="75000"/>
-              </a:schemeClr>
-            </a:solidFill>
-            <a:prstDash val="sysDash"/>
-            <a:round/>
-            <a:tailEnd type="triangle" w="lg" len="lg"/>
-          </a:ln>
-        </p:spPr>
-        <p:style>
-          <a:lnRef idx="1">
-            <a:schemeClr val="accent1"/>
-          </a:lnRef>
-          <a:fillRef idx="0">
-            <a:schemeClr val="accent1"/>
-          </a:fillRef>
-          <a:effectRef idx="0">
-            <a:schemeClr val="accent1"/>
-          </a:effectRef>
-          <a:fontRef idx="minor"/>
-        </p:style>
-      </p:sp>
-      <p:sp>
-        <p:nvSpPr>
-          <p:cNvPr id="16" name="CustomShape 12"/>
-          <p:cNvSpPr/>
-          <p:nvPr/>
-        </p:nvSpPr>
-        <p:spPr>
-          <a:xfrm rot="3840000" flipH="1">
-            <a:off x="10748645" y="3207385"/>
-            <a:ext cx="467360" cy="76200"/>
+          <a:xfrm rot="16200000" flipH="1" flipV="1">
+            <a:off x="7314565" y="1231265"/>
+            <a:ext cx="189230" cy="2741295"/>
           </a:xfrm>
           <a:custGeom>
             <a:avLst/>
@@ -16904,249 +16264,6 @@
                                         </p:cTn>
                                         <p:tgtEl>
                                           <p:spTgt spid="238"/>
-                                        </p:tgtEl>
-                                        <p:attrNameLst>
-                                          <p:attrName>style.visibility</p:attrName>
-                                        </p:attrNameLst>
-                                      </p:cBhvr>
-                                      <p:to>
-                                        <p:strVal val="visible"/>
-                                      </p:to>
-                                    </p:set>
-                                  </p:childTnLst>
-                                </p:cTn>
-                              </p:par>
-                              <p:par>
-                                <p:cTn id="11" presetID="1" presetClass="entr" presetSubtype="0" fill="hold" nodeType="withEffect">
-                                  <p:stCondLst>
-                                    <p:cond delay="0"/>
-                                  </p:stCondLst>
-                                  <p:childTnLst>
-                                    <p:set>
-                                      <p:cBhvr>
-                                        <p:cTn id="12" dur="1" fill="hold">
-                                          <p:stCondLst>
-                                            <p:cond delay="0"/>
-                                          </p:stCondLst>
-                                        </p:cTn>
-                                        <p:tgtEl>
-                                          <p:spTgt spid="2"/>
-                                        </p:tgtEl>
-                                        <p:attrNameLst>
-                                          <p:attrName>style.visibility</p:attrName>
-                                        </p:attrNameLst>
-                                      </p:cBhvr>
-                                      <p:to>
-                                        <p:strVal val="visible"/>
-                                      </p:to>
-                                    </p:set>
-                                  </p:childTnLst>
-                                </p:cTn>
-                              </p:par>
-                              <p:par>
-                                <p:cTn id="13" presetID="1" presetClass="entr" presetSubtype="0" fill="hold" nodeType="withEffect">
-                                  <p:stCondLst>
-                                    <p:cond delay="0"/>
-                                  </p:stCondLst>
-                                  <p:childTnLst>
-                                    <p:set>
-                                      <p:cBhvr>
-                                        <p:cTn id="14" dur="1" fill="hold">
-                                          <p:stCondLst>
-                                            <p:cond delay="0"/>
-                                          </p:stCondLst>
-                                        </p:cTn>
-                                        <p:tgtEl>
-                                          <p:spTgt spid="8"/>
-                                        </p:tgtEl>
-                                        <p:attrNameLst>
-                                          <p:attrName>style.visibility</p:attrName>
-                                        </p:attrNameLst>
-                                      </p:cBhvr>
-                                      <p:to>
-                                        <p:strVal val="visible"/>
-                                      </p:to>
-                                    </p:set>
-                                  </p:childTnLst>
-                                </p:cTn>
-                              </p:par>
-                              <p:par>
-                                <p:cTn id="15" presetID="1" presetClass="entr" presetSubtype="0" fill="hold" nodeType="withEffect">
-                                  <p:stCondLst>
-                                    <p:cond delay="0"/>
-                                  </p:stCondLst>
-                                  <p:childTnLst>
-                                    <p:set>
-                                      <p:cBhvr>
-                                        <p:cTn id="16" dur="1" fill="hold">
-                                          <p:stCondLst>
-                                            <p:cond delay="0"/>
-                                          </p:stCondLst>
-                                        </p:cTn>
-                                        <p:tgtEl>
-                                          <p:spTgt spid="10"/>
-                                        </p:tgtEl>
-                                        <p:attrNameLst>
-                                          <p:attrName>style.visibility</p:attrName>
-                                        </p:attrNameLst>
-                                      </p:cBhvr>
-                                      <p:to>
-                                        <p:strVal val="visible"/>
-                                      </p:to>
-                                    </p:set>
-                                  </p:childTnLst>
-                                </p:cTn>
-                              </p:par>
-                              <p:par>
-                                <p:cTn id="17" presetID="1" presetClass="entr" presetSubtype="0" fill="hold" nodeType="withEffect">
-                                  <p:stCondLst>
-                                    <p:cond delay="0"/>
-                                  </p:stCondLst>
-                                  <p:childTnLst>
-                                    <p:set>
-                                      <p:cBhvr>
-                                        <p:cTn id="18" dur="1" fill="hold">
-                                          <p:stCondLst>
-                                            <p:cond delay="0"/>
-                                          </p:stCondLst>
-                                        </p:cTn>
-                                        <p:tgtEl>
-                                          <p:spTgt spid="11"/>
-                                        </p:tgtEl>
-                                        <p:attrNameLst>
-                                          <p:attrName>style.visibility</p:attrName>
-                                        </p:attrNameLst>
-                                      </p:cBhvr>
-                                      <p:to>
-                                        <p:strVal val="visible"/>
-                                      </p:to>
-                                    </p:set>
-                                  </p:childTnLst>
-                                </p:cTn>
-                              </p:par>
-                              <p:par>
-                                <p:cTn id="19" presetID="1" presetClass="entr" presetSubtype="0" fill="hold" nodeType="withEffect">
-                                  <p:stCondLst>
-                                    <p:cond delay="0"/>
-                                  </p:stCondLst>
-                                  <p:childTnLst>
-                                    <p:set>
-                                      <p:cBhvr>
-                                        <p:cTn id="20" dur="1" fill="hold">
-                                          <p:stCondLst>
-                                            <p:cond delay="0"/>
-                                          </p:stCondLst>
-                                        </p:cTn>
-                                        <p:tgtEl>
-                                          <p:spTgt spid="12"/>
-                                        </p:tgtEl>
-                                        <p:attrNameLst>
-                                          <p:attrName>style.visibility</p:attrName>
-                                        </p:attrNameLst>
-                                      </p:cBhvr>
-                                      <p:to>
-                                        <p:strVal val="visible"/>
-                                      </p:to>
-                                    </p:set>
-                                  </p:childTnLst>
-                                </p:cTn>
-                              </p:par>
-                              <p:par>
-                                <p:cTn id="21" presetID="1" presetClass="entr" presetSubtype="0" fill="hold" nodeType="withEffect">
-                                  <p:stCondLst>
-                                    <p:cond delay="0"/>
-                                  </p:stCondLst>
-                                  <p:childTnLst>
-                                    <p:set>
-                                      <p:cBhvr>
-                                        <p:cTn id="22" dur="1" fill="hold">
-                                          <p:stCondLst>
-                                            <p:cond delay="0"/>
-                                          </p:stCondLst>
-                                        </p:cTn>
-                                        <p:tgtEl>
-                                          <p:spTgt spid="13"/>
-                                        </p:tgtEl>
-                                        <p:attrNameLst>
-                                          <p:attrName>style.visibility</p:attrName>
-                                        </p:attrNameLst>
-                                      </p:cBhvr>
-                                      <p:to>
-                                        <p:strVal val="visible"/>
-                                      </p:to>
-                                    </p:set>
-                                  </p:childTnLst>
-                                </p:cTn>
-                              </p:par>
-                              <p:par>
-                                <p:cTn id="23" presetID="1" presetClass="entr" presetSubtype="0" fill="hold" nodeType="withEffect">
-                                  <p:stCondLst>
-                                    <p:cond delay="0"/>
-                                  </p:stCondLst>
-                                  <p:childTnLst>
-                                    <p:set>
-                                      <p:cBhvr>
-                                        <p:cTn id="24" dur="1" fill="hold">
-                                          <p:stCondLst>
-                                            <p:cond delay="0"/>
-                                          </p:stCondLst>
-                                        </p:cTn>
-                                        <p:tgtEl>
-                                          <p:spTgt spid="14"/>
-                                        </p:tgtEl>
-                                        <p:attrNameLst>
-                                          <p:attrName>style.visibility</p:attrName>
-                                        </p:attrNameLst>
-                                      </p:cBhvr>
-                                      <p:to>
-                                        <p:strVal val="visible"/>
-                                      </p:to>
-                                    </p:set>
-                                  </p:childTnLst>
-                                </p:cTn>
-                              </p:par>
-                              <p:par>
-                                <p:cTn id="25" presetID="1" presetClass="entr" presetSubtype="0" fill="hold" nodeType="withEffect">
-                                  <p:stCondLst>
-                                    <p:cond delay="0"/>
-                                  </p:stCondLst>
-                                  <p:childTnLst>
-                                    <p:set>
-                                      <p:cBhvr>
-                                        <p:cTn id="26" dur="1" fill="hold">
-                                          <p:stCondLst>
-                                            <p:cond delay="0"/>
-                                          </p:stCondLst>
-                                        </p:cTn>
-                                        <p:tgtEl>
-                                          <p:spTgt spid="15"/>
-                                        </p:tgtEl>
-                                        <p:attrNameLst>
-                                          <p:attrName>style.visibility</p:attrName>
-                                        </p:attrNameLst>
-                                      </p:cBhvr>
-                                      <p:to>
-                                        <p:strVal val="visible"/>
-                                      </p:to>
-                                    </p:set>
-                                  </p:childTnLst>
-                                </p:cTn>
-                              </p:par>
-                              <p:par>
-                                <p:cTn id="27" presetID="1" presetClass="entr" presetSubtype="0" fill="hold" nodeType="withEffect">
-                                  <p:stCondLst>
-                                    <p:cond delay="0"/>
-                                  </p:stCondLst>
-                                  <p:childTnLst>
-                                    <p:set>
-                                      <p:cBhvr>
-                                        <p:cTn id="28" dur="1" fill="hold">
-                                          <p:stCondLst>
-                                            <p:cond delay="0"/>
-                                          </p:stCondLst>
-                                        </p:cTn>
-                                        <p:tgtEl>
-                                          <p:spTgt spid="16"/>
                                         </p:tgtEl>
                                         <p:attrNameLst>
                                           <p:attrName>style.visibility</p:attrName>
